--- a/public/downloads/ppt-template.pptx
+++ b/public/downloads/ppt-template.pptx
@@ -3287,8 +3287,8 @@
         </p:nvSpPr>
         <p:spPr>
           <a:xfrm rot="0">
-            <a:off x="3487444" y="4348326"/>
-            <a:ext cx="11315247" cy="1520824"/>
+            <a:off x="3487444" y="4538826"/>
+            <a:ext cx="11315247" cy="1330324"/>
           </a:xfrm>
           <a:prstGeom prst="rect">
             <a:avLst/>
@@ -4821,8 +4821,8 @@
         </p:nvSpPr>
         <p:spPr>
           <a:xfrm rot="0">
-            <a:off x="5489368" y="9555385"/>
-            <a:ext cx="7197206" cy="610241"/>
+            <a:off x="5489368" y="9622060"/>
+            <a:ext cx="7197206" cy="543566"/>
           </a:xfrm>
           <a:prstGeom prst="rect">
             <a:avLst/>
@@ -4849,7 +4849,7 @@
                 <a:cs typeface="Kollektif"/>
                 <a:sym typeface="Kollektif"/>
               </a:rPr>
-              <a:t>Problem Statement ID</a:t>
+              <a:t>Problem Statement Title</a:t>
             </a:r>
           </a:p>
         </p:txBody>
@@ -4940,8 +4940,8 @@
         </p:nvSpPr>
         <p:spPr>
           <a:xfrm rot="0">
-            <a:off x="4311665" y="606361"/>
-            <a:ext cx="9664669" cy="844677"/>
+            <a:off x="4311665" y="711136"/>
+            <a:ext cx="9664669" cy="739902"/>
           </a:xfrm>
           <a:prstGeom prst="rect">
             <a:avLst/>
@@ -4980,8 +4980,8 @@
           <p:nvPr/>
         </p:nvGrpSpPr>
         <p:grpSpPr>
-          <a:xfrm rot="2700000">
-            <a:off x="-2693793" y="7510422"/>
+          <a:xfrm rot="-2700000">
+            <a:off x="14034654" y="-4091495"/>
             <a:ext cx="7415398" cy="3565095"/>
             <a:chOff x="0" y="0"/>
             <a:chExt cx="660400" cy="317500"/>
@@ -5089,15 +5089,439 @@
           </p:txBody>
         </p:sp>
       </p:grpSp>
+      <p:sp>
+        <p:nvSpPr>
+          <p:cNvPr name="AutoShape 6" id="6"/>
+          <p:cNvSpPr/>
+          <p:nvPr/>
+        </p:nvSpPr>
+        <p:spPr>
+          <a:xfrm flipV="true">
+            <a:off x="16779354" y="-3323851"/>
+            <a:ext cx="5132702" cy="5185216"/>
+          </a:xfrm>
+          <a:prstGeom prst="line">
+            <a:avLst/>
+          </a:prstGeom>
+          <a:ln cap="flat" w="28575">
+            <a:solidFill>
+              <a:srgbClr val="8CA9AD"/>
+            </a:solidFill>
+            <a:prstDash val="solid"/>
+            <a:headEnd type="none" len="sm" w="sm"/>
+            <a:tailEnd type="none" len="sm" w="sm"/>
+          </a:ln>
+        </p:spPr>
+      </p:sp>
+      <p:sp>
+        <p:nvSpPr>
+          <p:cNvPr name="AutoShape 7" id="7"/>
+          <p:cNvSpPr/>
+          <p:nvPr/>
+        </p:nvSpPr>
+        <p:spPr>
+          <a:xfrm flipV="true">
+            <a:off x="17092031" y="-2963542"/>
+            <a:ext cx="5038853" cy="5038853"/>
+          </a:xfrm>
+          <a:prstGeom prst="line">
+            <a:avLst/>
+          </a:prstGeom>
+          <a:ln cap="flat" w="28575">
+            <a:solidFill>
+              <a:srgbClr val="8CA9AD"/>
+            </a:solidFill>
+            <a:prstDash val="solid"/>
+            <a:headEnd type="none" len="sm" w="sm"/>
+            <a:tailEnd type="none" len="sm" w="sm"/>
+          </a:ln>
+        </p:spPr>
+      </p:sp>
+      <p:sp>
+        <p:nvSpPr>
+          <p:cNvPr name="AutoShape 8" id="8"/>
+          <p:cNvSpPr/>
+          <p:nvPr/>
+        </p:nvSpPr>
+        <p:spPr>
+          <a:xfrm flipV="true">
+            <a:off x="17450501" y="-2612228"/>
+            <a:ext cx="4867141" cy="4867141"/>
+          </a:xfrm>
+          <a:prstGeom prst="line">
+            <a:avLst/>
+          </a:prstGeom>
+          <a:ln cap="flat" w="28575">
+            <a:solidFill>
+              <a:srgbClr val="8CA9AD"/>
+            </a:solidFill>
+            <a:prstDash val="solid"/>
+            <a:headEnd type="none" len="sm" w="sm"/>
+            <a:tailEnd type="none" len="sm" w="sm"/>
+          </a:ln>
+        </p:spPr>
+      </p:sp>
+      <p:sp>
+        <p:nvSpPr>
+          <p:cNvPr name="AutoShape 9" id="9"/>
+          <p:cNvSpPr/>
+          <p:nvPr/>
+        </p:nvSpPr>
+        <p:spPr>
+          <a:xfrm flipV="true">
+            <a:off x="17836769" y="-2308948"/>
+            <a:ext cx="4690515" cy="4690515"/>
+          </a:xfrm>
+          <a:prstGeom prst="line">
+            <a:avLst/>
+          </a:prstGeom>
+          <a:ln cap="flat" w="28575">
+            <a:solidFill>
+              <a:srgbClr val="8CA9AD"/>
+            </a:solidFill>
+            <a:prstDash val="solid"/>
+            <a:headEnd type="none" len="sm" w="sm"/>
+            <a:tailEnd type="none" len="sm" w="sm"/>
+          </a:ln>
+        </p:spPr>
+      </p:sp>
+      <p:sp>
+        <p:nvSpPr>
+          <p:cNvPr name="AutoShape 10" id="10"/>
+          <p:cNvSpPr/>
+          <p:nvPr/>
+        </p:nvSpPr>
+        <p:spPr>
+          <a:xfrm flipV="true">
+            <a:off x="18276445" y="-1822252"/>
+            <a:ext cx="4347674" cy="4347674"/>
+          </a:xfrm>
+          <a:prstGeom prst="line">
+            <a:avLst/>
+          </a:prstGeom>
+          <a:ln cap="flat" w="28575">
+            <a:solidFill>
+              <a:srgbClr val="8CA9AD"/>
+            </a:solidFill>
+            <a:prstDash val="solid"/>
+            <a:headEnd type="none" len="sm" w="sm"/>
+            <a:tailEnd type="none" len="sm" w="sm"/>
+          </a:ln>
+        </p:spPr>
+      </p:sp>
+      <p:sp>
+        <p:nvSpPr>
+          <p:cNvPr name="Freeform 11" id="11"/>
+          <p:cNvSpPr/>
+          <p:nvPr/>
+        </p:nvSpPr>
+        <p:spPr>
+          <a:xfrm flipH="false" flipV="false" rot="-10800000">
+            <a:off x="16192287" y="7062107"/>
+            <a:ext cx="1083809" cy="1083809"/>
+          </a:xfrm>
+          <a:custGeom>
+            <a:avLst/>
+            <a:gdLst/>
+            <a:ahLst/>
+            <a:cxnLst/>
+            <a:rect r="r" b="b" t="t" l="l"/>
+            <a:pathLst>
+              <a:path h="1083809" w="1083809">
+                <a:moveTo>
+                  <a:pt x="0" y="0"/>
+                </a:moveTo>
+                <a:lnTo>
+                  <a:pt x="1083809" y="0"/>
+                </a:lnTo>
+                <a:lnTo>
+                  <a:pt x="1083809" y="1083809"/>
+                </a:lnTo>
+                <a:lnTo>
+                  <a:pt x="0" y="1083809"/>
+                </a:lnTo>
+                <a:lnTo>
+                  <a:pt x="0" y="0"/>
+                </a:lnTo>
+                <a:close/>
+              </a:path>
+            </a:pathLst>
+          </a:custGeom>
+          <a:blipFill>
+            <a:blip r:embed="rId2">
+              <a:extLst>
+                <a:ext uri="{96DAC541-7B7A-43D3-8B79-37D633B846F1}">
+                  <asvg:svgBlip xmlns:asvg="http://schemas.microsoft.com/office/drawing/2016/SVG/main" r:embed="rId3"/>
+                </a:ext>
+              </a:extLst>
+            </a:blip>
+            <a:stretch>
+              <a:fillRect l="0" t="0" r="0" b="0"/>
+            </a:stretch>
+          </a:blipFill>
+        </p:spPr>
+      </p:sp>
+      <p:sp>
+        <p:nvSpPr>
+          <p:cNvPr name="Freeform 12" id="12"/>
+          <p:cNvSpPr/>
+          <p:nvPr/>
+        </p:nvSpPr>
+        <p:spPr>
+          <a:xfrm flipH="false" flipV="false" rot="0">
+            <a:off x="17266571" y="7090682"/>
+            <a:ext cx="1083809" cy="1083809"/>
+          </a:xfrm>
+          <a:custGeom>
+            <a:avLst/>
+            <a:gdLst/>
+            <a:ahLst/>
+            <a:cxnLst/>
+            <a:rect r="r" b="b" t="t" l="l"/>
+            <a:pathLst>
+              <a:path h="1083809" w="1083809">
+                <a:moveTo>
+                  <a:pt x="0" y="0"/>
+                </a:moveTo>
+                <a:lnTo>
+                  <a:pt x="1083809" y="0"/>
+                </a:lnTo>
+                <a:lnTo>
+                  <a:pt x="1083809" y="1083809"/>
+                </a:lnTo>
+                <a:lnTo>
+                  <a:pt x="0" y="1083809"/>
+                </a:lnTo>
+                <a:lnTo>
+                  <a:pt x="0" y="0"/>
+                </a:lnTo>
+                <a:close/>
+              </a:path>
+            </a:pathLst>
+          </a:custGeom>
+          <a:blipFill>
+            <a:blip r:embed="rId4">
+              <a:extLst>
+                <a:ext uri="{96DAC541-7B7A-43D3-8B79-37D633B846F1}">
+                  <asvg:svgBlip xmlns:asvg="http://schemas.microsoft.com/office/drawing/2016/SVG/main" r:embed="rId5"/>
+                </a:ext>
+              </a:extLst>
+            </a:blip>
+            <a:stretch>
+              <a:fillRect l="0" t="0" r="0" b="0"/>
+            </a:stretch>
+          </a:blipFill>
+        </p:spPr>
+      </p:sp>
+      <p:sp>
+        <p:nvSpPr>
+          <p:cNvPr name="Freeform 13" id="13"/>
+          <p:cNvSpPr/>
+          <p:nvPr/>
+        </p:nvSpPr>
+        <p:spPr>
+          <a:xfrm flipH="false" flipV="false" rot="0">
+            <a:off x="16182762" y="8174491"/>
+            <a:ext cx="1083809" cy="1083809"/>
+          </a:xfrm>
+          <a:custGeom>
+            <a:avLst/>
+            <a:gdLst/>
+            <a:ahLst/>
+            <a:cxnLst/>
+            <a:rect r="r" b="b" t="t" l="l"/>
+            <a:pathLst>
+              <a:path h="1083809" w="1083809">
+                <a:moveTo>
+                  <a:pt x="0" y="0"/>
+                </a:moveTo>
+                <a:lnTo>
+                  <a:pt x="1083809" y="0"/>
+                </a:lnTo>
+                <a:lnTo>
+                  <a:pt x="1083809" y="1083809"/>
+                </a:lnTo>
+                <a:lnTo>
+                  <a:pt x="0" y="1083809"/>
+                </a:lnTo>
+                <a:lnTo>
+                  <a:pt x="0" y="0"/>
+                </a:lnTo>
+                <a:close/>
+              </a:path>
+            </a:pathLst>
+          </a:custGeom>
+          <a:blipFill>
+            <a:blip r:embed="rId2">
+              <a:extLst>
+                <a:ext uri="{96DAC541-7B7A-43D3-8B79-37D633B846F1}">
+                  <asvg:svgBlip xmlns:asvg="http://schemas.microsoft.com/office/drawing/2016/SVG/main" r:embed="rId3"/>
+                </a:ext>
+              </a:extLst>
+            </a:blip>
+            <a:stretch>
+              <a:fillRect l="0" t="0" r="0" b="0"/>
+            </a:stretch>
+          </a:blipFill>
+        </p:spPr>
+      </p:sp>
+      <p:sp>
+        <p:nvSpPr>
+          <p:cNvPr name="Freeform 14" id="14"/>
+          <p:cNvSpPr/>
+          <p:nvPr/>
+        </p:nvSpPr>
+        <p:spPr>
+          <a:xfrm flipH="false" flipV="false" rot="-10800000">
+            <a:off x="16182762" y="9258300"/>
+            <a:ext cx="1083809" cy="1083809"/>
+          </a:xfrm>
+          <a:custGeom>
+            <a:avLst/>
+            <a:gdLst/>
+            <a:ahLst/>
+            <a:cxnLst/>
+            <a:rect r="r" b="b" t="t" l="l"/>
+            <a:pathLst>
+              <a:path h="1083809" w="1083809">
+                <a:moveTo>
+                  <a:pt x="0" y="0"/>
+                </a:moveTo>
+                <a:lnTo>
+                  <a:pt x="1083809" y="0"/>
+                </a:lnTo>
+                <a:lnTo>
+                  <a:pt x="1083809" y="1083809"/>
+                </a:lnTo>
+                <a:lnTo>
+                  <a:pt x="0" y="1083809"/>
+                </a:lnTo>
+                <a:lnTo>
+                  <a:pt x="0" y="0"/>
+                </a:lnTo>
+                <a:close/>
+              </a:path>
+            </a:pathLst>
+          </a:custGeom>
+          <a:blipFill>
+            <a:blip r:embed="rId4">
+              <a:extLst>
+                <a:ext uri="{96DAC541-7B7A-43D3-8B79-37D633B846F1}">
+                  <asvg:svgBlip xmlns:asvg="http://schemas.microsoft.com/office/drawing/2016/SVG/main" r:embed="rId5"/>
+                </a:ext>
+              </a:extLst>
+            </a:blip>
+            <a:stretch>
+              <a:fillRect l="0" t="0" r="0" b="0"/>
+            </a:stretch>
+          </a:blipFill>
+        </p:spPr>
+      </p:sp>
+      <p:sp>
+        <p:nvSpPr>
+          <p:cNvPr name="Freeform 15" id="15"/>
+          <p:cNvSpPr/>
+          <p:nvPr/>
+        </p:nvSpPr>
+        <p:spPr>
+          <a:xfrm flipH="false" flipV="false" rot="-5400000">
+            <a:off x="17266571" y="9258300"/>
+            <a:ext cx="1083809" cy="1083809"/>
+          </a:xfrm>
+          <a:custGeom>
+            <a:avLst/>
+            <a:gdLst/>
+            <a:ahLst/>
+            <a:cxnLst/>
+            <a:rect r="r" b="b" t="t" l="l"/>
+            <a:pathLst>
+              <a:path h="1083809" w="1083809">
+                <a:moveTo>
+                  <a:pt x="0" y="0"/>
+                </a:moveTo>
+                <a:lnTo>
+                  <a:pt x="1083809" y="0"/>
+                </a:lnTo>
+                <a:lnTo>
+                  <a:pt x="1083809" y="1083809"/>
+                </a:lnTo>
+                <a:lnTo>
+                  <a:pt x="0" y="1083809"/>
+                </a:lnTo>
+                <a:lnTo>
+                  <a:pt x="0" y="0"/>
+                </a:lnTo>
+                <a:close/>
+              </a:path>
+            </a:pathLst>
+          </a:custGeom>
+          <a:blipFill>
+            <a:blip r:embed="rId6">
+              <a:extLst>
+                <a:ext uri="{96DAC541-7B7A-43D3-8B79-37D633B846F1}">
+                  <asvg:svgBlip xmlns:asvg="http://schemas.microsoft.com/office/drawing/2016/SVG/main" r:embed="rId7"/>
+                </a:ext>
+              </a:extLst>
+            </a:blip>
+            <a:stretch>
+              <a:fillRect l="0" t="0" r="0" b="0"/>
+            </a:stretch>
+          </a:blipFill>
+        </p:spPr>
+      </p:sp>
+      <p:sp>
+        <p:nvSpPr>
+          <p:cNvPr name="TextBox 16" id="16"/>
+          <p:cNvSpPr txBox="true"/>
+          <p:nvPr/>
+        </p:nvSpPr>
+        <p:spPr>
+          <a:xfrm rot="0">
+            <a:off x="6959301" y="4887025"/>
+            <a:ext cx="4369399" cy="551050"/>
+          </a:xfrm>
+          <a:prstGeom prst="rect">
+            <a:avLst/>
+          </a:prstGeom>
+        </p:spPr>
+        <p:txBody>
+          <a:bodyPr anchor="t" rtlCol="false" tIns="0" lIns="0" bIns="0" rIns="0">
+            <a:spAutoFit/>
+          </a:bodyPr>
+          <a:lstStyle/>
+          <a:p>
+            <a:pPr algn="l">
+              <a:lnSpc>
+                <a:spcPts val="4353"/>
+              </a:lnSpc>
+              <a:spcBef>
+                <a:spcPct val="0"/>
+              </a:spcBef>
+            </a:pPr>
+            <a:r>
+              <a:rPr lang="en-US" b="true" sz="3921">
+                <a:solidFill>
+                  <a:srgbClr val="545454"/>
+                </a:solidFill>
+                <a:latin typeface="DM Sans Bold"/>
+                <a:ea typeface="DM Sans Bold"/>
+                <a:cs typeface="DM Sans Bold"/>
+                <a:sym typeface="DM Sans Bold"/>
+              </a:rPr>
+              <a:t>Your content here</a:t>
+            </a:r>
+          </a:p>
+        </p:txBody>
+      </p:sp>
       <p:grpSp>
         <p:nvGrpSpPr>
-          <p:cNvPr name="Group 6" id="6"/>
+          <p:cNvPr name="Group 17" id="17"/>
           <p:cNvGrpSpPr/>
           <p:nvPr/>
         </p:nvGrpSpPr>
         <p:grpSpPr>
-          <a:xfrm rot="-2700000">
-            <a:off x="14034654" y="-4091495"/>
+          <a:xfrm rot="2700000">
+            <a:off x="-2693793" y="7510422"/>
             <a:ext cx="7415398" cy="3565095"/>
             <a:chOff x="0" y="0"/>
             <a:chExt cx="660400" cy="317500"/>
@@ -5105,7 +5529,7 @@
         </p:grpSpPr>
         <p:sp>
           <p:nvSpPr>
-            <p:cNvPr name="Freeform 7" id="7"/>
+            <p:cNvPr name="Freeform 18" id="18"/>
             <p:cNvSpPr/>
             <p:nvPr/>
           </p:nvSpPr>
@@ -5179,7 +5603,7 @@
         </p:sp>
         <p:sp>
           <p:nvSpPr>
-            <p:cNvPr name="TextBox 8" id="8"/>
+            <p:cNvPr name="TextBox 19" id="19"/>
             <p:cNvSpPr txBox="true"/>
             <p:nvPr/>
           </p:nvSpPr>
@@ -5207,393 +5631,13 @@
       </p:grpSp>
       <p:sp>
         <p:nvSpPr>
-          <p:cNvPr name="AutoShape 9" id="9"/>
+          <p:cNvPr name="Freeform 20" id="20"/>
           <p:cNvSpPr/>
           <p:nvPr/>
         </p:nvSpPr>
         <p:spPr>
-          <a:xfrm flipV="true">
-            <a:off x="16779354" y="-3323851"/>
-            <a:ext cx="5132702" cy="5185216"/>
-          </a:xfrm>
-          <a:prstGeom prst="line">
-            <a:avLst/>
-          </a:prstGeom>
-          <a:ln cap="flat" w="28575">
-            <a:solidFill>
-              <a:srgbClr val="8CA9AD"/>
-            </a:solidFill>
-            <a:prstDash val="solid"/>
-            <a:headEnd type="none" len="sm" w="sm"/>
-            <a:tailEnd type="none" len="sm" w="sm"/>
-          </a:ln>
-        </p:spPr>
-      </p:sp>
-      <p:sp>
-        <p:nvSpPr>
-          <p:cNvPr name="AutoShape 10" id="10"/>
-          <p:cNvSpPr/>
-          <p:nvPr/>
-        </p:nvSpPr>
-        <p:spPr>
-          <a:xfrm flipV="true">
-            <a:off x="17092031" y="-2963542"/>
-            <a:ext cx="5038853" cy="5038853"/>
-          </a:xfrm>
-          <a:prstGeom prst="line">
-            <a:avLst/>
-          </a:prstGeom>
-          <a:ln cap="flat" w="28575">
-            <a:solidFill>
-              <a:srgbClr val="8CA9AD"/>
-            </a:solidFill>
-            <a:prstDash val="solid"/>
-            <a:headEnd type="none" len="sm" w="sm"/>
-            <a:tailEnd type="none" len="sm" w="sm"/>
-          </a:ln>
-        </p:spPr>
-      </p:sp>
-      <p:sp>
-        <p:nvSpPr>
-          <p:cNvPr name="AutoShape 11" id="11"/>
-          <p:cNvSpPr/>
-          <p:nvPr/>
-        </p:nvSpPr>
-        <p:spPr>
-          <a:xfrm flipV="true">
-            <a:off x="17450501" y="-2612228"/>
-            <a:ext cx="4867141" cy="4867141"/>
-          </a:xfrm>
-          <a:prstGeom prst="line">
-            <a:avLst/>
-          </a:prstGeom>
-          <a:ln cap="flat" w="28575">
-            <a:solidFill>
-              <a:srgbClr val="8CA9AD"/>
-            </a:solidFill>
-            <a:prstDash val="solid"/>
-            <a:headEnd type="none" len="sm" w="sm"/>
-            <a:tailEnd type="none" len="sm" w="sm"/>
-          </a:ln>
-        </p:spPr>
-      </p:sp>
-      <p:sp>
-        <p:nvSpPr>
-          <p:cNvPr name="AutoShape 12" id="12"/>
-          <p:cNvSpPr/>
-          <p:nvPr/>
-        </p:nvSpPr>
-        <p:spPr>
-          <a:xfrm flipV="true">
-            <a:off x="17836769" y="-2308948"/>
-            <a:ext cx="4690515" cy="4690515"/>
-          </a:xfrm>
-          <a:prstGeom prst="line">
-            <a:avLst/>
-          </a:prstGeom>
-          <a:ln cap="flat" w="28575">
-            <a:solidFill>
-              <a:srgbClr val="8CA9AD"/>
-            </a:solidFill>
-            <a:prstDash val="solid"/>
-            <a:headEnd type="none" len="sm" w="sm"/>
-            <a:tailEnd type="none" len="sm" w="sm"/>
-          </a:ln>
-        </p:spPr>
-      </p:sp>
-      <p:sp>
-        <p:nvSpPr>
-          <p:cNvPr name="AutoShape 13" id="13"/>
-          <p:cNvSpPr/>
-          <p:nvPr/>
-        </p:nvSpPr>
-        <p:spPr>
-          <a:xfrm flipV="true">
-            <a:off x="18276445" y="-1822252"/>
-            <a:ext cx="4347674" cy="4347674"/>
-          </a:xfrm>
-          <a:prstGeom prst="line">
-            <a:avLst/>
-          </a:prstGeom>
-          <a:ln cap="flat" w="28575">
-            <a:solidFill>
-              <a:srgbClr val="8CA9AD"/>
-            </a:solidFill>
-            <a:prstDash val="solid"/>
-            <a:headEnd type="none" len="sm" w="sm"/>
-            <a:tailEnd type="none" len="sm" w="sm"/>
-          </a:ln>
-        </p:spPr>
-      </p:sp>
-      <p:sp>
-        <p:nvSpPr>
-          <p:cNvPr name="Freeform 14" id="14"/>
-          <p:cNvSpPr/>
-          <p:nvPr/>
-        </p:nvSpPr>
-        <p:spPr>
-          <a:xfrm flipH="false" flipV="false" rot="-10800000">
-            <a:off x="16192287" y="7062107"/>
-            <a:ext cx="1083809" cy="1083809"/>
-          </a:xfrm>
-          <a:custGeom>
-            <a:avLst/>
-            <a:gdLst/>
-            <a:ahLst/>
-            <a:cxnLst/>
-            <a:rect r="r" b="b" t="t" l="l"/>
-            <a:pathLst>
-              <a:path h="1083809" w="1083809">
-                <a:moveTo>
-                  <a:pt x="0" y="0"/>
-                </a:moveTo>
-                <a:lnTo>
-                  <a:pt x="1083809" y="0"/>
-                </a:lnTo>
-                <a:lnTo>
-                  <a:pt x="1083809" y="1083809"/>
-                </a:lnTo>
-                <a:lnTo>
-                  <a:pt x="0" y="1083809"/>
-                </a:lnTo>
-                <a:lnTo>
-                  <a:pt x="0" y="0"/>
-                </a:lnTo>
-                <a:close/>
-              </a:path>
-            </a:pathLst>
-          </a:custGeom>
-          <a:blipFill>
-            <a:blip r:embed="rId2">
-              <a:extLst>
-                <a:ext uri="{96DAC541-7B7A-43D3-8B79-37D633B846F1}">
-                  <asvg:svgBlip xmlns:asvg="http://schemas.microsoft.com/office/drawing/2016/SVG/main" r:embed="rId3"/>
-                </a:ext>
-              </a:extLst>
-            </a:blip>
-            <a:stretch>
-              <a:fillRect l="0" t="0" r="0" b="0"/>
-            </a:stretch>
-          </a:blipFill>
-        </p:spPr>
-      </p:sp>
-      <p:sp>
-        <p:nvSpPr>
-          <p:cNvPr name="Freeform 15" id="15"/>
-          <p:cNvSpPr/>
-          <p:nvPr/>
-        </p:nvSpPr>
-        <p:spPr>
           <a:xfrm flipH="false" flipV="false" rot="0">
-            <a:off x="17266571" y="7090682"/>
-            <a:ext cx="1083809" cy="1083809"/>
-          </a:xfrm>
-          <a:custGeom>
-            <a:avLst/>
-            <a:gdLst/>
-            <a:ahLst/>
-            <a:cxnLst/>
-            <a:rect r="r" b="b" t="t" l="l"/>
-            <a:pathLst>
-              <a:path h="1083809" w="1083809">
-                <a:moveTo>
-                  <a:pt x="0" y="0"/>
-                </a:moveTo>
-                <a:lnTo>
-                  <a:pt x="1083809" y="0"/>
-                </a:lnTo>
-                <a:lnTo>
-                  <a:pt x="1083809" y="1083809"/>
-                </a:lnTo>
-                <a:lnTo>
-                  <a:pt x="0" y="1083809"/>
-                </a:lnTo>
-                <a:lnTo>
-                  <a:pt x="0" y="0"/>
-                </a:lnTo>
-                <a:close/>
-              </a:path>
-            </a:pathLst>
-          </a:custGeom>
-          <a:blipFill>
-            <a:blip r:embed="rId4">
-              <a:extLst>
-                <a:ext uri="{96DAC541-7B7A-43D3-8B79-37D633B846F1}">
-                  <asvg:svgBlip xmlns:asvg="http://schemas.microsoft.com/office/drawing/2016/SVG/main" r:embed="rId5"/>
-                </a:ext>
-              </a:extLst>
-            </a:blip>
-            <a:stretch>
-              <a:fillRect l="0" t="0" r="0" b="0"/>
-            </a:stretch>
-          </a:blipFill>
-        </p:spPr>
-      </p:sp>
-      <p:sp>
-        <p:nvSpPr>
-          <p:cNvPr name="Freeform 16" id="16"/>
-          <p:cNvSpPr/>
-          <p:nvPr/>
-        </p:nvSpPr>
-        <p:spPr>
-          <a:xfrm flipH="false" flipV="false" rot="0">
-            <a:off x="16182762" y="8174491"/>
-            <a:ext cx="1083809" cy="1083809"/>
-          </a:xfrm>
-          <a:custGeom>
-            <a:avLst/>
-            <a:gdLst/>
-            <a:ahLst/>
-            <a:cxnLst/>
-            <a:rect r="r" b="b" t="t" l="l"/>
-            <a:pathLst>
-              <a:path h="1083809" w="1083809">
-                <a:moveTo>
-                  <a:pt x="0" y="0"/>
-                </a:moveTo>
-                <a:lnTo>
-                  <a:pt x="1083809" y="0"/>
-                </a:lnTo>
-                <a:lnTo>
-                  <a:pt x="1083809" y="1083809"/>
-                </a:lnTo>
-                <a:lnTo>
-                  <a:pt x="0" y="1083809"/>
-                </a:lnTo>
-                <a:lnTo>
-                  <a:pt x="0" y="0"/>
-                </a:lnTo>
-                <a:close/>
-              </a:path>
-            </a:pathLst>
-          </a:custGeom>
-          <a:blipFill>
-            <a:blip r:embed="rId2">
-              <a:extLst>
-                <a:ext uri="{96DAC541-7B7A-43D3-8B79-37D633B846F1}">
-                  <asvg:svgBlip xmlns:asvg="http://schemas.microsoft.com/office/drawing/2016/SVG/main" r:embed="rId3"/>
-                </a:ext>
-              </a:extLst>
-            </a:blip>
-            <a:stretch>
-              <a:fillRect l="0" t="0" r="0" b="0"/>
-            </a:stretch>
-          </a:blipFill>
-        </p:spPr>
-      </p:sp>
-      <p:sp>
-        <p:nvSpPr>
-          <p:cNvPr name="Freeform 17" id="17"/>
-          <p:cNvSpPr/>
-          <p:nvPr/>
-        </p:nvSpPr>
-        <p:spPr>
-          <a:xfrm flipH="false" flipV="false" rot="-10800000">
-            <a:off x="16182762" y="9258300"/>
-            <a:ext cx="1083809" cy="1083809"/>
-          </a:xfrm>
-          <a:custGeom>
-            <a:avLst/>
-            <a:gdLst/>
-            <a:ahLst/>
-            <a:cxnLst/>
-            <a:rect r="r" b="b" t="t" l="l"/>
-            <a:pathLst>
-              <a:path h="1083809" w="1083809">
-                <a:moveTo>
-                  <a:pt x="0" y="0"/>
-                </a:moveTo>
-                <a:lnTo>
-                  <a:pt x="1083809" y="0"/>
-                </a:lnTo>
-                <a:lnTo>
-                  <a:pt x="1083809" y="1083809"/>
-                </a:lnTo>
-                <a:lnTo>
-                  <a:pt x="0" y="1083809"/>
-                </a:lnTo>
-                <a:lnTo>
-                  <a:pt x="0" y="0"/>
-                </a:lnTo>
-                <a:close/>
-              </a:path>
-            </a:pathLst>
-          </a:custGeom>
-          <a:blipFill>
-            <a:blip r:embed="rId4">
-              <a:extLst>
-                <a:ext uri="{96DAC541-7B7A-43D3-8B79-37D633B846F1}">
-                  <asvg:svgBlip xmlns:asvg="http://schemas.microsoft.com/office/drawing/2016/SVG/main" r:embed="rId5"/>
-                </a:ext>
-              </a:extLst>
-            </a:blip>
-            <a:stretch>
-              <a:fillRect l="0" t="0" r="0" b="0"/>
-            </a:stretch>
-          </a:blipFill>
-        </p:spPr>
-      </p:sp>
-      <p:sp>
-        <p:nvSpPr>
-          <p:cNvPr name="Freeform 18" id="18"/>
-          <p:cNvSpPr/>
-          <p:nvPr/>
-        </p:nvSpPr>
-        <p:spPr>
-          <a:xfrm flipH="false" flipV="false" rot="-5400000">
-            <a:off x="17266571" y="9258300"/>
-            <a:ext cx="1083809" cy="1083809"/>
-          </a:xfrm>
-          <a:custGeom>
-            <a:avLst/>
-            <a:gdLst/>
-            <a:ahLst/>
-            <a:cxnLst/>
-            <a:rect r="r" b="b" t="t" l="l"/>
-            <a:pathLst>
-              <a:path h="1083809" w="1083809">
-                <a:moveTo>
-                  <a:pt x="0" y="0"/>
-                </a:moveTo>
-                <a:lnTo>
-                  <a:pt x="1083809" y="0"/>
-                </a:lnTo>
-                <a:lnTo>
-                  <a:pt x="1083809" y="1083809"/>
-                </a:lnTo>
-                <a:lnTo>
-                  <a:pt x="0" y="1083809"/>
-                </a:lnTo>
-                <a:lnTo>
-                  <a:pt x="0" y="0"/>
-                </a:lnTo>
-                <a:close/>
-              </a:path>
-            </a:pathLst>
-          </a:custGeom>
-          <a:blipFill>
-            <a:blip r:embed="rId6">
-              <a:extLst>
-                <a:ext uri="{96DAC541-7B7A-43D3-8B79-37D633B846F1}">
-                  <asvg:svgBlip xmlns:asvg="http://schemas.microsoft.com/office/drawing/2016/SVG/main" r:embed="rId7"/>
-                </a:ext>
-              </a:extLst>
-            </a:blip>
-            <a:stretch>
-              <a:fillRect l="0" t="0" r="0" b="0"/>
-            </a:stretch>
-          </a:blipFill>
-        </p:spPr>
-      </p:sp>
-      <p:sp>
-        <p:nvSpPr>
-          <p:cNvPr name="Freeform 19" id="19"/>
-          <p:cNvSpPr/>
-          <p:nvPr/>
-        </p:nvSpPr>
-        <p:spPr>
-          <a:xfrm flipH="false" flipV="false" rot="0">
-            <a:off x="0" y="8145916"/>
+            <a:off x="88768" y="8145916"/>
             <a:ext cx="2214782" cy="1988101"/>
           </a:xfrm>
           <a:custGeom>
@@ -5608,10 +5652,10 @@
                   <a:pt x="0" y="0"/>
                 </a:moveTo>
                 <a:lnTo>
-                  <a:pt x="2214782" y="0"/>
-                </a:lnTo>
-                <a:lnTo>
-                  <a:pt x="2214782" y="1988101"/>
+                  <a:pt x="2214781" y="0"/>
+                </a:lnTo>
+                <a:lnTo>
+                  <a:pt x="2214781" y="1988101"/>
                 </a:lnTo>
                 <a:lnTo>
                   <a:pt x="0" y="1988101"/>
@@ -5630,50 +5674,6 @@
             </a:stretch>
           </a:blipFill>
         </p:spPr>
-      </p:sp>
-      <p:sp>
-        <p:nvSpPr>
-          <p:cNvPr name="TextBox 20" id="20"/>
-          <p:cNvSpPr txBox="true"/>
-          <p:nvPr/>
-        </p:nvSpPr>
-        <p:spPr>
-          <a:xfrm rot="0">
-            <a:off x="6959301" y="4887025"/>
-            <a:ext cx="4369399" cy="551050"/>
-          </a:xfrm>
-          <a:prstGeom prst="rect">
-            <a:avLst/>
-          </a:prstGeom>
-        </p:spPr>
-        <p:txBody>
-          <a:bodyPr anchor="t" rtlCol="false" tIns="0" lIns="0" bIns="0" rIns="0">
-            <a:spAutoFit/>
-          </a:bodyPr>
-          <a:lstStyle/>
-          <a:p>
-            <a:pPr algn="l">
-              <a:lnSpc>
-                <a:spcPts val="4353"/>
-              </a:lnSpc>
-              <a:spcBef>
-                <a:spcPct val="0"/>
-              </a:spcBef>
-            </a:pPr>
-            <a:r>
-              <a:rPr lang="en-US" b="true" sz="3921">
-                <a:solidFill>
-                  <a:srgbClr val="545454"/>
-                </a:solidFill>
-                <a:latin typeface="DM Sans Bold"/>
-                <a:ea typeface="DM Sans Bold"/>
-                <a:cs typeface="DM Sans Bold"/>
-                <a:sym typeface="DM Sans Bold"/>
-              </a:rPr>
-              <a:t>Your content here</a:t>
-            </a:r>
-          </a:p>
-        </p:txBody>
       </p:sp>
     </p:spTree>
   </p:cSld>
@@ -5715,8 +5715,8 @@
         </p:nvSpPr>
         <p:spPr>
           <a:xfrm rot="0">
-            <a:off x="4814048" y="606361"/>
-            <a:ext cx="8659905" cy="844677"/>
+            <a:off x="4814048" y="711136"/>
+            <a:ext cx="8659905" cy="739902"/>
           </a:xfrm>
           <a:prstGeom prst="rect">
             <a:avLst/>
@@ -6448,9 +6448,53 @@
           </a:blipFill>
         </p:spPr>
       </p:sp>
+      <p:sp>
+        <p:nvSpPr>
+          <p:cNvPr name="TextBox 21" id="21"/>
+          <p:cNvSpPr txBox="true"/>
+          <p:nvPr/>
+        </p:nvSpPr>
+        <p:spPr>
+          <a:xfrm rot="0">
+            <a:off x="6959301" y="4887025"/>
+            <a:ext cx="4369399" cy="551050"/>
+          </a:xfrm>
+          <a:prstGeom prst="rect">
+            <a:avLst/>
+          </a:prstGeom>
+        </p:spPr>
+        <p:txBody>
+          <a:bodyPr anchor="t" rtlCol="false" tIns="0" lIns="0" bIns="0" rIns="0">
+            <a:spAutoFit/>
+          </a:bodyPr>
+          <a:lstStyle/>
+          <a:p>
+            <a:pPr algn="l">
+              <a:lnSpc>
+                <a:spcPts val="4353"/>
+              </a:lnSpc>
+              <a:spcBef>
+                <a:spcPct val="0"/>
+              </a:spcBef>
+            </a:pPr>
+            <a:r>
+              <a:rPr lang="en-US" b="true" sz="3921">
+                <a:solidFill>
+                  <a:srgbClr val="545454"/>
+                </a:solidFill>
+                <a:latin typeface="DM Sans Bold"/>
+                <a:ea typeface="DM Sans Bold"/>
+                <a:cs typeface="DM Sans Bold"/>
+                <a:sym typeface="DM Sans Bold"/>
+              </a:rPr>
+              <a:t>Your content here</a:t>
+            </a:r>
+          </a:p>
+        </p:txBody>
+      </p:sp>
       <p:grpSp>
         <p:nvGrpSpPr>
-          <p:cNvPr name="Group 21" id="21"/>
+          <p:cNvPr name="Group 22" id="22"/>
           <p:cNvGrpSpPr/>
           <p:nvPr/>
         </p:nvGrpSpPr>
@@ -6464,7 +6508,7 @@
         </p:grpSpPr>
         <p:sp>
           <p:nvSpPr>
-            <p:cNvPr name="Freeform 22" id="22"/>
+            <p:cNvPr name="Freeform 23" id="23"/>
             <p:cNvSpPr/>
             <p:nvPr/>
           </p:nvSpPr>
@@ -6538,7 +6582,7 @@
         </p:sp>
         <p:sp>
           <p:nvSpPr>
-            <p:cNvPr name="TextBox 23" id="23"/>
+            <p:cNvPr name="TextBox 24" id="24"/>
             <p:cNvSpPr txBox="true"/>
             <p:nvPr/>
           </p:nvSpPr>
@@ -6566,13 +6610,13 @@
       </p:grpSp>
       <p:sp>
         <p:nvSpPr>
-          <p:cNvPr name="Freeform 24" id="24"/>
+          <p:cNvPr name="Freeform 25" id="25"/>
           <p:cNvSpPr/>
           <p:nvPr/>
         </p:nvSpPr>
         <p:spPr>
           <a:xfrm flipH="false" flipV="false" rot="0">
-            <a:off x="0" y="8145916"/>
+            <a:off x="88768" y="8145916"/>
             <a:ext cx="2214782" cy="1988101"/>
           </a:xfrm>
           <a:custGeom>
@@ -6587,10 +6631,10 @@
                   <a:pt x="0" y="0"/>
                 </a:moveTo>
                 <a:lnTo>
-                  <a:pt x="2214782" y="0"/>
-                </a:lnTo>
-                <a:lnTo>
-                  <a:pt x="2214782" y="1988101"/>
+                  <a:pt x="2214781" y="0"/>
+                </a:lnTo>
+                <a:lnTo>
+                  <a:pt x="2214781" y="1988101"/>
                 </a:lnTo>
                 <a:lnTo>
                   <a:pt x="0" y="1988101"/>
@@ -6609,50 +6653,6 @@
             </a:stretch>
           </a:blipFill>
         </p:spPr>
-      </p:sp>
-      <p:sp>
-        <p:nvSpPr>
-          <p:cNvPr name="TextBox 25" id="25"/>
-          <p:cNvSpPr txBox="true"/>
-          <p:nvPr/>
-        </p:nvSpPr>
-        <p:spPr>
-          <a:xfrm rot="0">
-            <a:off x="6959301" y="4887025"/>
-            <a:ext cx="4369399" cy="551050"/>
-          </a:xfrm>
-          <a:prstGeom prst="rect">
-            <a:avLst/>
-          </a:prstGeom>
-        </p:spPr>
-        <p:txBody>
-          <a:bodyPr anchor="t" rtlCol="false" tIns="0" lIns="0" bIns="0" rIns="0">
-            <a:spAutoFit/>
-          </a:bodyPr>
-          <a:lstStyle/>
-          <a:p>
-            <a:pPr algn="l">
-              <a:lnSpc>
-                <a:spcPts val="4353"/>
-              </a:lnSpc>
-              <a:spcBef>
-                <a:spcPct val="0"/>
-              </a:spcBef>
-            </a:pPr>
-            <a:r>
-              <a:rPr lang="en-US" b="true" sz="3921">
-                <a:solidFill>
-                  <a:srgbClr val="545454"/>
-                </a:solidFill>
-                <a:latin typeface="DM Sans Bold"/>
-                <a:ea typeface="DM Sans Bold"/>
-                <a:cs typeface="DM Sans Bold"/>
-                <a:sym typeface="DM Sans Bold"/>
-              </a:rPr>
-              <a:t>Your content here</a:t>
-            </a:r>
-          </a:p>
-        </p:txBody>
       </p:sp>
     </p:spTree>
   </p:cSld>
@@ -7190,8 +7190,8 @@
         </p:nvSpPr>
         <p:spPr>
           <a:xfrm rot="0">
-            <a:off x="4301391" y="4165390"/>
-            <a:ext cx="10111988" cy="1540002"/>
+            <a:off x="4301391" y="4270165"/>
+            <a:ext cx="10111988" cy="1435227"/>
           </a:xfrm>
           <a:prstGeom prst="rect">
             <a:avLst/>
@@ -7218,7 +7218,7 @@
                 <a:cs typeface="Kollektif Bold"/>
                 <a:sym typeface="Kollektif Bold"/>
               </a:rPr>
-              <a:t>FURTHER DESCIPTION AND COMPETITOR ANALYSIS</a:t>
+              <a:t>FURTHER DESCRIPTION AND COMPETITOR ANALYSIS</a:t>
             </a:r>
           </a:p>
         </p:txBody>
@@ -7347,7 +7347,7 @@
         </p:nvSpPr>
         <p:spPr>
           <a:xfrm flipH="false" flipV="false" rot="0">
-            <a:off x="0" y="8145916"/>
+            <a:off x="88768" y="8145916"/>
             <a:ext cx="2214782" cy="1988101"/>
           </a:xfrm>
           <a:custGeom>
@@ -7362,10 +7362,10 @@
                   <a:pt x="0" y="0"/>
                 </a:moveTo>
                 <a:lnTo>
-                  <a:pt x="2214782" y="0"/>
-                </a:lnTo>
-                <a:lnTo>
-                  <a:pt x="2214782" y="1988101"/>
+                  <a:pt x="2214781" y="0"/>
+                </a:lnTo>
+                <a:lnTo>
+                  <a:pt x="2214781" y="1988101"/>
                 </a:lnTo>
                 <a:lnTo>
                   <a:pt x="0" y="1988101"/>
@@ -7425,8 +7425,8 @@
         </p:nvSpPr>
         <p:spPr>
           <a:xfrm rot="0">
-            <a:off x="1678105" y="1589042"/>
-            <a:ext cx="5480392" cy="1540002"/>
+            <a:off x="1678105" y="1693817"/>
+            <a:ext cx="5480392" cy="1435227"/>
           </a:xfrm>
           <a:prstGeom prst="rect">
             <a:avLst/>
@@ -8219,7 +8219,7 @@
         </p:nvGrpSpPr>
         <p:grpSpPr>
           <a:xfrm rot="0">
-            <a:off x="13123603" y="5475036"/>
+            <a:off x="13123603" y="6066064"/>
             <a:ext cx="8847511" cy="8855676"/>
             <a:chOff x="0" y="0"/>
             <a:chExt cx="11796681" cy="11807568"/>
@@ -8609,7 +8609,7 @@
         </p:nvSpPr>
         <p:spPr>
           <a:xfrm flipH="false" flipV="false" rot="0">
-            <a:off x="15928992" y="7567953"/>
+            <a:off x="15928992" y="8158981"/>
             <a:ext cx="2214782" cy="1988101"/>
           </a:xfrm>
           <a:custGeom>
@@ -8661,7 +8661,7 @@
     <p:bg>
       <p:bgPr>
         <a:solidFill>
-          <a:srgbClr val="EFEFEF"/>
+          <a:srgbClr val="F3F4F4"/>
         </a:solidFill>
       </p:bgPr>
     </p:bg>
@@ -8687,8 +8687,8 @@
         </p:nvSpPr>
         <p:spPr>
           <a:xfrm rot="0">
-            <a:off x="3833915" y="4200208"/>
-            <a:ext cx="10620170" cy="1886584"/>
+            <a:off x="3833915" y="4428808"/>
+            <a:ext cx="10620170" cy="1657984"/>
           </a:xfrm>
           <a:prstGeom prst="rect">
             <a:avLst/>
@@ -9612,7 +9612,7 @@
         </p:nvGrpSpPr>
         <p:grpSpPr>
           <a:xfrm rot="0">
-            <a:off x="13123603" y="5475036"/>
+            <a:off x="-2634012" y="-5192964"/>
             <a:ext cx="8847511" cy="8855676"/>
             <a:chOff x="0" y="0"/>
             <a:chExt cx="11796681" cy="11807568"/>
@@ -9959,7 +9959,7 @@
         </p:nvGrpSpPr>
         <p:grpSpPr>
           <a:xfrm rot="0">
-            <a:off x="-2634012" y="-5192964"/>
+            <a:off x="13123603" y="6066064"/>
             <a:ext cx="8847511" cy="8855676"/>
             <a:chOff x="0" y="0"/>
             <a:chExt cx="11796681" cy="11807568"/>
@@ -10298,6 +10298,52 @@
           </p:spPr>
         </p:sp>
       </p:grpSp>
+      <p:sp>
+        <p:nvSpPr>
+          <p:cNvPr name="Freeform 46" id="46"/>
+          <p:cNvSpPr/>
+          <p:nvPr/>
+        </p:nvSpPr>
+        <p:spPr>
+          <a:xfrm flipH="false" flipV="false" rot="0">
+            <a:off x="15928992" y="8158981"/>
+            <a:ext cx="2214782" cy="1988101"/>
+          </a:xfrm>
+          <a:custGeom>
+            <a:avLst/>
+            <a:gdLst/>
+            <a:ahLst/>
+            <a:cxnLst/>
+            <a:rect r="r" b="b" t="t" l="l"/>
+            <a:pathLst>
+              <a:path h="1988101" w="2214782">
+                <a:moveTo>
+                  <a:pt x="0" y="0"/>
+                </a:moveTo>
+                <a:lnTo>
+                  <a:pt x="2214781" y="0"/>
+                </a:lnTo>
+                <a:lnTo>
+                  <a:pt x="2214781" y="1988101"/>
+                </a:lnTo>
+                <a:lnTo>
+                  <a:pt x="0" y="1988101"/>
+                </a:lnTo>
+                <a:lnTo>
+                  <a:pt x="0" y="0"/>
+                </a:lnTo>
+                <a:close/>
+              </a:path>
+            </a:pathLst>
+          </a:custGeom>
+          <a:blipFill>
+            <a:blip r:embed="rId10"/>
+            <a:stretch>
+              <a:fillRect l="0" t="-5700" r="0" b="-5700"/>
+            </a:stretch>
+          </a:blipFill>
+        </p:spPr>
+      </p:sp>
     </p:spTree>
   </p:cSld>
   <p:clrMapOvr>
@@ -10990,8 +11036,8 @@
         </p:nvSpPr>
         <p:spPr>
           <a:xfrm rot="0">
-            <a:off x="3121973" y="504183"/>
-            <a:ext cx="12044053" cy="1039509"/>
+            <a:off x="3121973" y="628008"/>
+            <a:ext cx="12044053" cy="915684"/>
           </a:xfrm>
           <a:prstGeom prst="rect">
             <a:avLst/>
@@ -11032,7 +11078,7 @@
         <p:spPr>
           <a:xfrm rot="0">
             <a:off x="1028700" y="2987122"/>
-            <a:ext cx="15514555" cy="4246080"/>
+            <a:ext cx="15514555" cy="4305612"/>
           </a:xfrm>
           <a:prstGeom prst="rect">
             <a:avLst/>
@@ -11085,7 +11131,7 @@
                 <a:cs typeface="DM Sans"/>
                 <a:sym typeface="DM Sans"/>
               </a:rPr>
-              <a:t>, including the title slide.</a:t>
+              <a:t>, including the Title, Summary.</a:t>
             </a:r>
           </a:p>
           <a:p>
@@ -11214,7 +11260,7 @@
         </p:nvSpPr>
         <p:spPr>
           <a:xfrm flipH="false" flipV="false" rot="0">
-            <a:off x="15878127" y="0"/>
+            <a:off x="15687627" y="0"/>
             <a:ext cx="2409873" cy="2409873"/>
           </a:xfrm>
           <a:custGeom>
@@ -11412,8 +11458,8 @@
         </p:nvSpPr>
         <p:spPr>
           <a:xfrm rot="0">
-            <a:off x="5577305" y="1285875"/>
-            <a:ext cx="7600032" cy="844677"/>
+            <a:off x="5577305" y="1390650"/>
+            <a:ext cx="7600032" cy="739902"/>
           </a:xfrm>
           <a:prstGeom prst="rect">
             <a:avLst/>
